--- a/_SLIDES/2020_DEEL1/H4- Werken met data/H4_Debuggen.pptx
+++ b/_SLIDES/2020_DEEL1/H4- Werken met data/H4_Debuggen.pptx
@@ -6495,7 +6495,7 @@
           <a:p>
             <a:fld id="{85EE1F57-E73E-475C-872F-886F27274373}" type="datetimeFigureOut">
               <a:rPr lang="nl-BE" smtClean="0"/>
-              <a:t>23/09/2020</a:t>
+              <a:t>18/10/2020</a:t>
             </a:fld>
             <a:endParaRPr lang="nl-BE"/>
           </a:p>
@@ -6660,7 +6660,7 @@
           <a:p>
             <a:fld id="{E0BBF532-A5DD-4E27-82A5-D972027CDA5D}" type="datetimeFigureOut">
               <a:rPr lang="nl-BE" smtClean="0"/>
-              <a:t>23/09/2020</a:t>
+              <a:t>18/10/2020</a:t>
             </a:fld>
             <a:endParaRPr lang="nl-BE"/>
           </a:p>
@@ -9018,7 +9018,7 @@
           <a:p>
             <a:fld id="{59F69171-8AD3-4C6E-ACC3-F75E2D8266EB}" type="datetime1">
               <a:rPr lang="nl-BE" smtClean="0"/>
-              <a:t>23/09/2020</a:t>
+              <a:t>18/10/2020</a:t>
             </a:fld>
             <a:endParaRPr lang="nl-BE" dirty="0"/>
           </a:p>
@@ -9314,7 +9314,7 @@
           <a:p>
             <a:fld id="{705F2185-EB57-4DF0-844E-C8B667D7E0D5}" type="datetime1">
               <a:rPr lang="nl-BE" smtClean="0"/>
-              <a:t>23/09/2020</a:t>
+              <a:t>18/10/2020</a:t>
             </a:fld>
             <a:endParaRPr lang="nl-BE"/>
           </a:p>
@@ -9527,7 +9527,7 @@
           <a:p>
             <a:fld id="{1D1577DC-1F06-4783-A3BF-4B5238F9689E}" type="datetime1">
               <a:rPr lang="nl-BE" smtClean="0"/>
-              <a:t>23/09/2020</a:t>
+              <a:t>18/10/2020</a:t>
             </a:fld>
             <a:endParaRPr lang="nl-BE"/>
           </a:p>
@@ -9760,7 +9760,7 @@
           <a:p>
             <a:fld id="{532C4BB1-21CD-4247-A903-A5CF96BCEFE6}" type="datetime1">
               <a:rPr lang="nl-BE" smtClean="0"/>
-              <a:t>23/09/2020</a:t>
+              <a:t>18/10/2020</a:t>
             </a:fld>
             <a:endParaRPr lang="nl-BE"/>
           </a:p>
@@ -10040,7 +10040,7 @@
           <a:p>
             <a:fld id="{A6BD4CA6-02F0-4409-ADA5-1C2890AB8CA0}" type="datetime1">
               <a:rPr lang="nl-BE" smtClean="0"/>
-              <a:t>23/09/2020</a:t>
+              <a:t>18/10/2020</a:t>
             </a:fld>
             <a:endParaRPr lang="nl-BE"/>
           </a:p>
@@ -10311,7 +10311,7 @@
           <a:p>
             <a:fld id="{80F43CF5-A5B6-433D-888F-ACEE4A1BAD18}" type="datetime1">
               <a:rPr lang="nl-BE" smtClean="0"/>
-              <a:t>23/09/2020</a:t>
+              <a:t>18/10/2020</a:t>
             </a:fld>
             <a:endParaRPr lang="nl-BE"/>
           </a:p>
@@ -10729,7 +10729,7 @@
           <a:p>
             <a:fld id="{05DC44E7-8D57-49C5-86E0-7A264CAC31DB}" type="datetime1">
               <a:rPr lang="nl-BE" smtClean="0"/>
-              <a:t>23/09/2020</a:t>
+              <a:t>18/10/2020</a:t>
             </a:fld>
             <a:endParaRPr lang="nl-BE"/>
           </a:p>
@@ -10874,7 +10874,7 @@
           <a:p>
             <a:fld id="{E2F2FCB5-F08A-45FB-9B5C-545643D73581}" type="datetime1">
               <a:rPr lang="nl-BE" smtClean="0"/>
-              <a:t>23/09/2020</a:t>
+              <a:t>18/10/2020</a:t>
             </a:fld>
             <a:endParaRPr lang="nl-BE"/>
           </a:p>
@@ -10990,7 +10990,7 @@
           <a:p>
             <a:fld id="{FA61941D-C188-4200-9DCF-632E0EA69DDE}" type="datetime1">
               <a:rPr lang="nl-BE" smtClean="0"/>
-              <a:t>23/09/2020</a:t>
+              <a:t>18/10/2020</a:t>
             </a:fld>
             <a:endParaRPr lang="nl-BE"/>
           </a:p>
@@ -11306,7 +11306,7 @@
           <a:p>
             <a:fld id="{7BE774D7-6155-4F5A-8D3B-0B35058D0091}" type="datetime1">
               <a:rPr lang="nl-BE" smtClean="0"/>
-              <a:t>23/09/2020</a:t>
+              <a:t>18/10/2020</a:t>
             </a:fld>
             <a:endParaRPr lang="nl-BE"/>
           </a:p>
@@ -11602,7 +11602,7 @@
           <a:p>
             <a:fld id="{12F5F280-0401-4EF7-9F19-035A70BB1C46}" type="datetime1">
               <a:rPr lang="nl-BE" smtClean="0"/>
-              <a:t>23/09/2020</a:t>
+              <a:t>18/10/2020</a:t>
             </a:fld>
             <a:endParaRPr lang="nl-BE"/>
           </a:p>
@@ -11848,7 +11848,7 @@
           <a:p>
             <a:fld id="{B3CE697F-E569-479F-82B1-F273019AABCB}" type="datetime1">
               <a:rPr lang="nl-BE" smtClean="0"/>
-              <a:t>23/09/2020</a:t>
+              <a:t>18/10/2020</a:t>
             </a:fld>
             <a:endParaRPr lang="nl-BE"/>
           </a:p>
@@ -14012,7 +14012,7 @@
             <a:pPr lvl="1"/>
             <a:r>
               <a:rPr lang="nl-BE" dirty="0"/>
-              <a:t>Indien D gelijk is aan 0 =&gt; geen oplossing</a:t>
+              <a:t>Indien D kleiner is aan 0 =&gt; 1 reële oplossing</a:t>
             </a:r>
           </a:p>
           <a:p>
